--- a/Junit5.pptx
+++ b/Junit5.pptx
@@ -8,6 +8,7 @@
     <p:sldId id="256" r:id="rId2"/>
     <p:sldId id="259" r:id="rId3"/>
     <p:sldId id="260" r:id="rId4"/>
+    <p:sldId id="261" r:id="rId5"/>
   </p:sldIdLst>
   <p:sldSz cx="12192000" cy="6858000"/>
   <p:notesSz cx="6858000" cy="9144000"/>
@@ -261,7 +262,7 @@
           <a:p>
             <a:fld id="{4ACAFD52-91E2-4AB3-89CB-0104BDFC685E}" type="datetimeFigureOut">
               <a:rPr lang="fr-FR" smtClean="0"/>
-              <a:t>26/02/2020</a:t>
+              <a:t>28/02/2020</a:t>
             </a:fld>
             <a:endParaRPr lang="fr-FR"/>
           </a:p>
@@ -459,7 +460,7 @@
           <a:p>
             <a:fld id="{4ACAFD52-91E2-4AB3-89CB-0104BDFC685E}" type="datetimeFigureOut">
               <a:rPr lang="fr-FR" smtClean="0"/>
-              <a:t>26/02/2020</a:t>
+              <a:t>28/02/2020</a:t>
             </a:fld>
             <a:endParaRPr lang="fr-FR"/>
           </a:p>
@@ -667,7 +668,7 @@
           <a:p>
             <a:fld id="{4ACAFD52-91E2-4AB3-89CB-0104BDFC685E}" type="datetimeFigureOut">
               <a:rPr lang="fr-FR" smtClean="0"/>
-              <a:t>26/02/2020</a:t>
+              <a:t>28/02/2020</a:t>
             </a:fld>
             <a:endParaRPr lang="fr-FR"/>
           </a:p>
@@ -865,7 +866,7 @@
           <a:p>
             <a:fld id="{4ACAFD52-91E2-4AB3-89CB-0104BDFC685E}" type="datetimeFigureOut">
               <a:rPr lang="fr-FR" smtClean="0"/>
-              <a:t>26/02/2020</a:t>
+              <a:t>28/02/2020</a:t>
             </a:fld>
             <a:endParaRPr lang="fr-FR"/>
           </a:p>
@@ -1140,7 +1141,7 @@
           <a:p>
             <a:fld id="{4ACAFD52-91E2-4AB3-89CB-0104BDFC685E}" type="datetimeFigureOut">
               <a:rPr lang="fr-FR" smtClean="0"/>
-              <a:t>26/02/2020</a:t>
+              <a:t>28/02/2020</a:t>
             </a:fld>
             <a:endParaRPr lang="fr-FR"/>
           </a:p>
@@ -1405,7 +1406,7 @@
           <a:p>
             <a:fld id="{4ACAFD52-91E2-4AB3-89CB-0104BDFC685E}" type="datetimeFigureOut">
               <a:rPr lang="fr-FR" smtClean="0"/>
-              <a:t>26/02/2020</a:t>
+              <a:t>28/02/2020</a:t>
             </a:fld>
             <a:endParaRPr lang="fr-FR"/>
           </a:p>
@@ -1817,7 +1818,7 @@
           <a:p>
             <a:fld id="{4ACAFD52-91E2-4AB3-89CB-0104BDFC685E}" type="datetimeFigureOut">
               <a:rPr lang="fr-FR" smtClean="0"/>
-              <a:t>26/02/2020</a:t>
+              <a:t>28/02/2020</a:t>
             </a:fld>
             <a:endParaRPr lang="fr-FR"/>
           </a:p>
@@ -1958,7 +1959,7 @@
           <a:p>
             <a:fld id="{4ACAFD52-91E2-4AB3-89CB-0104BDFC685E}" type="datetimeFigureOut">
               <a:rPr lang="fr-FR" smtClean="0"/>
-              <a:t>26/02/2020</a:t>
+              <a:t>28/02/2020</a:t>
             </a:fld>
             <a:endParaRPr lang="fr-FR"/>
           </a:p>
@@ -2071,7 +2072,7 @@
           <a:p>
             <a:fld id="{4ACAFD52-91E2-4AB3-89CB-0104BDFC685E}" type="datetimeFigureOut">
               <a:rPr lang="fr-FR" smtClean="0"/>
-              <a:t>26/02/2020</a:t>
+              <a:t>28/02/2020</a:t>
             </a:fld>
             <a:endParaRPr lang="fr-FR"/>
           </a:p>
@@ -2382,7 +2383,7 @@
           <a:p>
             <a:fld id="{4ACAFD52-91E2-4AB3-89CB-0104BDFC685E}" type="datetimeFigureOut">
               <a:rPr lang="fr-FR" smtClean="0"/>
-              <a:t>26/02/2020</a:t>
+              <a:t>28/02/2020</a:t>
             </a:fld>
             <a:endParaRPr lang="fr-FR"/>
           </a:p>
@@ -2670,7 +2671,7 @@
           <a:p>
             <a:fld id="{4ACAFD52-91E2-4AB3-89CB-0104BDFC685E}" type="datetimeFigureOut">
               <a:rPr lang="fr-FR" smtClean="0"/>
-              <a:t>26/02/2020</a:t>
+              <a:t>28/02/2020</a:t>
             </a:fld>
             <a:endParaRPr lang="fr-FR"/>
           </a:p>
@@ -2911,7 +2912,7 @@
           <a:p>
             <a:fld id="{4ACAFD52-91E2-4AB3-89CB-0104BDFC685E}" type="datetimeFigureOut">
               <a:rPr lang="fr-FR" smtClean="0"/>
-              <a:t>26/02/2020</a:t>
+              <a:t>28/02/2020</a:t>
             </a:fld>
             <a:endParaRPr lang="fr-FR"/>
           </a:p>
@@ -5356,6 +5357,513 @@
 </p:sld>
 </file>
 
+<file path=ppt/slides/slide4.xml><?xml version="1.0" encoding="utf-8"?>
+<p:sld xmlns:a="http://schemas.openxmlformats.org/drawingml/2006/main" xmlns:r="http://schemas.openxmlformats.org/officeDocument/2006/relationships" xmlns:p="http://schemas.openxmlformats.org/presentationml/2006/main">
+  <p:cSld>
+    <p:spTree>
+      <p:nvGrpSpPr>
+        <p:cNvPr id="1" name=""/>
+        <p:cNvGrpSpPr/>
+        <p:nvPr/>
+      </p:nvGrpSpPr>
+      <p:grpSpPr>
+        <a:xfrm>
+          <a:off x="0" y="0"/>
+          <a:ext cx="0" cy="0"/>
+          <a:chOff x="0" y="0"/>
+          <a:chExt cx="0" cy="0"/>
+        </a:xfrm>
+      </p:grpSpPr>
+      <p:pic>
+        <p:nvPicPr>
+          <p:cNvPr id="5" name="Espace réservé du contenu 4">
+            <a:extLst>
+              <a:ext uri="{FF2B5EF4-FFF2-40B4-BE49-F238E27FC236}">
+                <a16:creationId xmlns:a16="http://schemas.microsoft.com/office/drawing/2014/main" id="{48AC7DA5-D3BD-4ED8-8298-974FE3D62229}"/>
+              </a:ext>
+            </a:extLst>
+          </p:cNvPr>
+          <p:cNvPicPr>
+            <a:picLocks noGrp="1" noChangeAspect="1"/>
+          </p:cNvPicPr>
+          <p:nvPr>
+            <p:ph idx="1"/>
+          </p:nvPr>
+        </p:nvPicPr>
+        <p:blipFill>
+          <a:blip r:embed="rId2">
+            <a:extLst>
+              <a:ext uri="{28A0092B-C50C-407E-A947-70E740481C1C}">
+                <a14:useLocalDpi xmlns:a14="http://schemas.microsoft.com/office/drawing/2010/main" val="0"/>
+              </a:ext>
+              <a:ext uri="{96DAC541-7B7A-43D3-8B79-37D633B846F1}">
+                <asvg:svgBlip xmlns:asvg="http://schemas.microsoft.com/office/drawing/2016/SVG/main" r:embed="rId3"/>
+              </a:ext>
+            </a:extLst>
+          </a:blip>
+          <a:stretch>
+            <a:fillRect/>
+          </a:stretch>
+        </p:blipFill>
+        <p:spPr>
+          <a:xfrm>
+            <a:off x="2727010" y="1825625"/>
+            <a:ext cx="6737980" cy="4351338"/>
+          </a:xfrm>
+        </p:spPr>
+      </p:pic>
+      <p:sp>
+        <p:nvSpPr>
+          <p:cNvPr id="6" name="Rectangle 1">
+            <a:extLst>
+              <a:ext uri="{FF2B5EF4-FFF2-40B4-BE49-F238E27FC236}">
+                <a16:creationId xmlns:a16="http://schemas.microsoft.com/office/drawing/2014/main" id="{4906D761-F65B-4907-A8C3-31A0B4C11EA6}"/>
+              </a:ext>
+            </a:extLst>
+          </p:cNvPr>
+          <p:cNvSpPr>
+            <a:spLocks noGrp="1" noChangeArrowheads="1"/>
+          </p:cNvSpPr>
+          <p:nvPr>
+            <p:ph type="title"/>
+          </p:nvPr>
+        </p:nvSpPr>
+        <p:spPr bwMode="auto">
+          <a:xfrm>
+            <a:off x="838200" y="612408"/>
+            <a:ext cx="10110460" cy="830997"/>
+          </a:xfrm>
+          <a:prstGeom prst="rect">
+            <a:avLst/>
+          </a:prstGeom>
+          <a:noFill/>
+          <a:ln>
+            <a:noFill/>
+          </a:ln>
+          <a:effectLst/>
+          <a:extLst>
+            <a:ext uri="{909E8E84-426E-40DD-AFC4-6F175D3DCCD1}">
+              <a14:hiddenFill xmlns:a14="http://schemas.microsoft.com/office/drawing/2010/main">
+                <a:solidFill>
+                  <a:schemeClr val="accent1"/>
+                </a:solidFill>
+              </a14:hiddenFill>
+            </a:ext>
+            <a:ext uri="{91240B29-F687-4F45-9708-019B960494DF}">
+              <a14:hiddenLine xmlns:a14="http://schemas.microsoft.com/office/drawing/2010/main" w="9525">
+                <a:solidFill>
+                  <a:schemeClr val="tx1"/>
+                </a:solidFill>
+                <a:miter lim="800000"/>
+                <a:headEnd/>
+                <a:tailEnd/>
+              </a14:hiddenLine>
+            </a:ext>
+            <a:ext uri="{AF507438-7753-43E0-B8FC-AC1667EBCBE1}">
+              <a14:hiddenEffects xmlns:a14="http://schemas.microsoft.com/office/drawing/2010/main">
+                <a:effectLst>
+                  <a:outerShdw dist="35921" dir="2700000" algn="ctr" rotWithShape="0">
+                    <a:schemeClr val="bg2"/>
+                  </a:outerShdw>
+                </a:effectLst>
+              </a14:hiddenEffects>
+            </a:ext>
+          </a:extLst>
+        </p:spPr>
+        <p:txBody>
+          <a:bodyPr vert="horz" wrap="none" lIns="91440" tIns="45720" rIns="91440" bIns="45720" numCol="1" anchor="ctr" anchorCtr="0" compatLnSpc="1">
+            <a:prstTxWarp prst="textNoShape">
+              <a:avLst/>
+            </a:prstTxWarp>
+            <a:spAutoFit/>
+          </a:bodyPr>
+          <a:lstStyle/>
+          <a:p>
+            <a:pPr marL="0" marR="0" lvl="0" indent="0" algn="l" defTabSz="914400" rtl="0" eaLnBrk="0" fontAlgn="base" latinLnBrk="0" hangingPunct="0">
+              <a:lnSpc>
+                <a:spcPct val="100000"/>
+              </a:lnSpc>
+              <a:spcBef>
+                <a:spcPct val="0"/>
+              </a:spcBef>
+              <a:spcAft>
+                <a:spcPct val="0"/>
+              </a:spcAft>
+              <a:buClrTx/>
+              <a:buSzTx/>
+              <a:buFontTx/>
+              <a:buNone/>
+              <a:tabLst/>
+            </a:pPr>
+            <a:r>
+              <a:rPr kumimoji="0" lang="fr-FR" altLang="fr-FR" sz="1800" b="0" i="0" u="none" strike="noStrike" cap="none" normalizeH="0" baseline="0" dirty="0">
+                <a:ln>
+                  <a:noFill/>
+                </a:ln>
+                <a:solidFill>
+                  <a:schemeClr val="tx1"/>
+                </a:solidFill>
+                <a:effectLst/>
+                <a:latin typeface="Arial" panose="020B0604020202020204" pitchFamily="34" charset="0"/>
+              </a:rPr>
+              <a:t>Configuration </a:t>
+            </a:r>
+            <a:r>
+              <a:rPr kumimoji="0" lang="fr-FR" altLang="fr-FR" sz="1800" b="0" i="0" u="none" strike="noStrike" cap="none" normalizeH="0" baseline="0" dirty="0" err="1">
+                <a:ln>
+                  <a:noFill/>
+                </a:ln>
+                <a:solidFill>
+                  <a:schemeClr val="tx1"/>
+                </a:solidFill>
+                <a:effectLst/>
+                <a:latin typeface="Arial" panose="020B0604020202020204" pitchFamily="34" charset="0"/>
+              </a:rPr>
+              <a:t>parameters</a:t>
+            </a:r>
+            <a:r>
+              <a:rPr kumimoji="0" lang="fr-FR" altLang="fr-FR" sz="1800" b="0" i="0" u="none" strike="noStrike" cap="none" normalizeH="0" baseline="0" dirty="0">
+                <a:ln>
+                  <a:noFill/>
+                </a:ln>
+                <a:solidFill>
+                  <a:schemeClr val="tx1"/>
+                </a:solidFill>
+                <a:effectLst/>
+                <a:latin typeface="Arial" panose="020B0604020202020204" pitchFamily="34" charset="0"/>
+              </a:rPr>
+              <a:t> to </a:t>
+            </a:r>
+            <a:r>
+              <a:rPr kumimoji="0" lang="fr-FR" altLang="fr-FR" sz="1800" b="0" i="0" u="none" strike="noStrike" cap="none" normalizeH="0" baseline="0" dirty="0" err="1">
+                <a:ln>
+                  <a:noFill/>
+                </a:ln>
+                <a:solidFill>
+                  <a:schemeClr val="tx1"/>
+                </a:solidFill>
+                <a:effectLst/>
+                <a:latin typeface="Arial" panose="020B0604020202020204" pitchFamily="34" charset="0"/>
+              </a:rPr>
+              <a:t>execute</a:t>
+            </a:r>
+            <a:r>
+              <a:rPr kumimoji="0" lang="fr-FR" altLang="fr-FR" sz="1800" b="0" i="0" u="none" strike="noStrike" cap="none" normalizeH="0" baseline="0" dirty="0">
+                <a:ln>
+                  <a:noFill/>
+                </a:ln>
+                <a:solidFill>
+                  <a:schemeClr val="tx1"/>
+                </a:solidFill>
+                <a:effectLst/>
+                <a:latin typeface="Arial" panose="020B0604020202020204" pitchFamily="34" charset="0"/>
+              </a:rPr>
+              <a:t> top-</a:t>
+            </a:r>
+            <a:r>
+              <a:rPr kumimoji="0" lang="fr-FR" altLang="fr-FR" sz="1800" b="0" i="0" u="none" strike="noStrike" cap="none" normalizeH="0" baseline="0" dirty="0" err="1">
+                <a:ln>
+                  <a:noFill/>
+                </a:ln>
+                <a:solidFill>
+                  <a:schemeClr val="tx1"/>
+                </a:solidFill>
+                <a:effectLst/>
+                <a:latin typeface="Arial" panose="020B0604020202020204" pitchFamily="34" charset="0"/>
+              </a:rPr>
+              <a:t>level</a:t>
+            </a:r>
+            <a:r>
+              <a:rPr kumimoji="0" lang="fr-FR" altLang="fr-FR" sz="1800" b="0" i="0" u="none" strike="noStrike" cap="none" normalizeH="0" baseline="0" dirty="0">
+                <a:ln>
+                  <a:noFill/>
+                </a:ln>
+                <a:solidFill>
+                  <a:schemeClr val="tx1"/>
+                </a:solidFill>
+                <a:effectLst/>
+                <a:latin typeface="Arial" panose="020B0604020202020204" pitchFamily="34" charset="0"/>
+              </a:rPr>
+              <a:t> classes in </a:t>
+            </a:r>
+            <a:r>
+              <a:rPr kumimoji="0" lang="fr-FR" altLang="fr-FR" sz="1800" b="0" i="0" u="none" strike="noStrike" cap="none" normalizeH="0" baseline="0" dirty="0" err="1">
+                <a:ln>
+                  <a:noFill/>
+                </a:ln>
+                <a:solidFill>
+                  <a:schemeClr val="tx1"/>
+                </a:solidFill>
+                <a:effectLst/>
+                <a:latin typeface="Arial" panose="020B0604020202020204" pitchFamily="34" charset="0"/>
+              </a:rPr>
+              <a:t>sequentially</a:t>
+            </a:r>
+            <a:r>
+              <a:rPr kumimoji="0" lang="fr-FR" altLang="fr-FR" sz="1800" b="0" i="0" u="none" strike="noStrike" cap="none" normalizeH="0" baseline="0" dirty="0">
+                <a:ln>
+                  <a:noFill/>
+                </a:ln>
+                <a:solidFill>
+                  <a:schemeClr val="tx1"/>
+                </a:solidFill>
+                <a:effectLst/>
+                <a:latin typeface="Arial" panose="020B0604020202020204" pitchFamily="34" charset="0"/>
+              </a:rPr>
+              <a:t> but </a:t>
+            </a:r>
+            <a:r>
+              <a:rPr kumimoji="0" lang="fr-FR" altLang="fr-FR" sz="1800" b="0" i="0" u="none" strike="noStrike" cap="none" normalizeH="0" baseline="0" dirty="0" err="1">
+                <a:ln>
+                  <a:noFill/>
+                </a:ln>
+                <a:solidFill>
+                  <a:schemeClr val="tx1"/>
+                </a:solidFill>
+                <a:effectLst/>
+                <a:latin typeface="Arial" panose="020B0604020202020204" pitchFamily="34" charset="0"/>
+              </a:rPr>
+              <a:t>their</a:t>
+            </a:r>
+            <a:r>
+              <a:rPr kumimoji="0" lang="fr-FR" altLang="fr-FR" sz="1800" b="0" i="0" u="none" strike="noStrike" cap="none" normalizeH="0" baseline="0" dirty="0">
+                <a:ln>
+                  <a:noFill/>
+                </a:ln>
+                <a:solidFill>
+                  <a:schemeClr val="tx1"/>
+                </a:solidFill>
+                <a:effectLst/>
+                <a:latin typeface="Arial" panose="020B0604020202020204" pitchFamily="34" charset="0"/>
+              </a:rPr>
+              <a:t> </a:t>
+            </a:r>
+            <a:r>
+              <a:rPr kumimoji="0" lang="fr-FR" altLang="fr-FR" sz="1800" b="0" i="0" u="none" strike="noStrike" cap="none" normalizeH="0" baseline="0" dirty="0" err="1">
+                <a:ln>
+                  <a:noFill/>
+                </a:ln>
+                <a:solidFill>
+                  <a:schemeClr val="tx1"/>
+                </a:solidFill>
+                <a:effectLst/>
+                <a:latin typeface="Arial" panose="020B0604020202020204" pitchFamily="34" charset="0"/>
+              </a:rPr>
+              <a:t>methods</a:t>
+            </a:r>
+            <a:r>
+              <a:rPr kumimoji="0" lang="fr-FR" altLang="fr-FR" sz="1800" b="0" i="0" u="none" strike="noStrike" cap="none" normalizeH="0" baseline="0" dirty="0">
+                <a:ln>
+                  <a:noFill/>
+                </a:ln>
+                <a:solidFill>
+                  <a:schemeClr val="tx1"/>
+                </a:solidFill>
+                <a:effectLst/>
+                <a:latin typeface="Arial" panose="020B0604020202020204" pitchFamily="34" charset="0"/>
+              </a:rPr>
+              <a:t> in </a:t>
+            </a:r>
+            <a:r>
+              <a:rPr kumimoji="0" lang="fr-FR" altLang="fr-FR" sz="1800" b="0" i="0" u="none" strike="noStrike" cap="none" normalizeH="0" baseline="0" dirty="0" err="1">
+                <a:ln>
+                  <a:noFill/>
+                </a:ln>
+                <a:solidFill>
+                  <a:schemeClr val="tx1"/>
+                </a:solidFill>
+                <a:effectLst/>
+                <a:latin typeface="Arial" panose="020B0604020202020204" pitchFamily="34" charset="0"/>
+              </a:rPr>
+              <a:t>parallel</a:t>
+            </a:r>
+            <a:endParaRPr kumimoji="0" lang="fr-FR" altLang="fr-FR" sz="1800" b="0" i="0" u="none" strike="noStrike" cap="none" normalizeH="0" baseline="0" dirty="0">
+              <a:ln>
+                <a:noFill/>
+              </a:ln>
+              <a:solidFill>
+                <a:schemeClr val="tx1"/>
+              </a:solidFill>
+              <a:effectLst/>
+              <a:latin typeface="Arial" panose="020B0604020202020204" pitchFamily="34" charset="0"/>
+            </a:endParaRPr>
+          </a:p>
+          <a:p>
+            <a:pPr marL="0" marR="0" lvl="0" indent="0" algn="l" defTabSz="914400" rtl="0" eaLnBrk="0" fontAlgn="base" latinLnBrk="0" hangingPunct="0">
+              <a:lnSpc>
+                <a:spcPct val="100000"/>
+              </a:lnSpc>
+              <a:spcBef>
+                <a:spcPct val="0"/>
+              </a:spcBef>
+              <a:spcAft>
+                <a:spcPct val="0"/>
+              </a:spcAft>
+              <a:buClrTx/>
+              <a:buSzTx/>
+              <a:buFontTx/>
+              <a:buNone/>
+              <a:tabLst/>
+            </a:pPr>
+            <a:r>
+              <a:rPr kumimoji="0" lang="fr-FR" altLang="fr-FR" sz="1000" b="0" i="0" u="none" strike="noStrike" cap="none" normalizeH="0" baseline="0" dirty="0" err="1">
+                <a:ln>
+                  <a:noFill/>
+                </a:ln>
+                <a:solidFill>
+                  <a:schemeClr val="tx1"/>
+                </a:solidFill>
+                <a:effectLst/>
+                <a:latin typeface="Arial Unicode MS"/>
+              </a:rPr>
+              <a:t>junit.jupiter.execution.parallel.enabled</a:t>
+            </a:r>
+            <a:r>
+              <a:rPr kumimoji="0" lang="fr-FR" altLang="fr-FR" sz="1000" b="0" i="0" u="none" strike="noStrike" cap="none" normalizeH="0" baseline="0" dirty="0">
+                <a:ln>
+                  <a:noFill/>
+                </a:ln>
+                <a:solidFill>
+                  <a:schemeClr val="tx1"/>
+                </a:solidFill>
+                <a:effectLst/>
+                <a:latin typeface="Arial Unicode MS"/>
+              </a:rPr>
+              <a:t> = </a:t>
+            </a:r>
+            <a:r>
+              <a:rPr kumimoji="0" lang="fr-FR" altLang="fr-FR" sz="1000" b="0" i="0" u="none" strike="noStrike" cap="none" normalizeH="0" baseline="0" dirty="0" err="1">
+                <a:ln>
+                  <a:noFill/>
+                </a:ln>
+                <a:solidFill>
+                  <a:schemeClr val="tx1"/>
+                </a:solidFill>
+                <a:effectLst/>
+                <a:latin typeface="Arial Unicode MS"/>
+              </a:rPr>
+              <a:t>true</a:t>
+            </a:r>
+            <a:br>
+              <a:rPr lang="fr-FR" altLang="fr-FR" sz="1000" dirty="0">
+                <a:latin typeface="Arial Unicode MS"/>
+              </a:rPr>
+            </a:br>
+            <a:r>
+              <a:rPr kumimoji="0" lang="fr-FR" altLang="fr-FR" sz="1000" b="0" i="0" u="none" strike="noStrike" cap="none" normalizeH="0" baseline="0" dirty="0" err="1">
+                <a:ln>
+                  <a:noFill/>
+                </a:ln>
+                <a:solidFill>
+                  <a:schemeClr val="tx1"/>
+                </a:solidFill>
+                <a:effectLst/>
+                <a:latin typeface="Arial Unicode MS"/>
+              </a:rPr>
+              <a:t>junit.jupiter.execution.parallel.mode.default</a:t>
+            </a:r>
+            <a:r>
+              <a:rPr kumimoji="0" lang="fr-FR" altLang="fr-FR" sz="1000" b="0" i="0" u="none" strike="noStrike" cap="none" normalizeH="0" baseline="0" dirty="0">
+                <a:ln>
+                  <a:noFill/>
+                </a:ln>
+                <a:solidFill>
+                  <a:schemeClr val="tx1"/>
+                </a:solidFill>
+                <a:effectLst/>
+                <a:latin typeface="Arial Unicode MS"/>
+              </a:rPr>
+              <a:t> = concurrent</a:t>
+            </a:r>
+            <a:br>
+              <a:rPr kumimoji="0" lang="fr-FR" altLang="fr-FR" sz="1000" b="0" i="0" u="none" strike="noStrike" cap="none" normalizeH="0" baseline="0" dirty="0">
+                <a:ln>
+                  <a:noFill/>
+                </a:ln>
+                <a:solidFill>
+                  <a:schemeClr val="tx1"/>
+                </a:solidFill>
+                <a:effectLst/>
+                <a:latin typeface="Arial Unicode MS"/>
+              </a:rPr>
+            </a:br>
+            <a:r>
+              <a:rPr kumimoji="0" lang="fr-FR" altLang="fr-FR" sz="1000" b="0" i="0" u="none" strike="noStrike" cap="none" normalizeH="0" baseline="0" dirty="0" err="1">
+                <a:ln>
+                  <a:noFill/>
+                </a:ln>
+                <a:solidFill>
+                  <a:schemeClr val="tx1"/>
+                </a:solidFill>
+                <a:effectLst/>
+                <a:latin typeface="Arial Unicode MS"/>
+              </a:rPr>
+              <a:t>junit.jupiter.execution.parallel.mode.classes.default</a:t>
+            </a:r>
+            <a:r>
+              <a:rPr kumimoji="0" lang="fr-FR" altLang="fr-FR" sz="1000" b="0" i="0" u="none" strike="noStrike" cap="none" normalizeH="0" baseline="0" dirty="0">
+                <a:ln>
+                  <a:noFill/>
+                </a:ln>
+                <a:solidFill>
+                  <a:schemeClr val="tx1"/>
+                </a:solidFill>
+                <a:effectLst/>
+                <a:latin typeface="Arial Unicode MS"/>
+              </a:rPr>
+              <a:t> = </a:t>
+            </a:r>
+            <a:r>
+              <a:rPr kumimoji="0" lang="fr-FR" altLang="fr-FR" sz="1000" b="0" i="0" u="none" strike="noStrike" cap="none" normalizeH="0" baseline="0" dirty="0" err="1">
+                <a:ln>
+                  <a:noFill/>
+                </a:ln>
+                <a:solidFill>
+                  <a:schemeClr val="tx1"/>
+                </a:solidFill>
+                <a:effectLst/>
+                <a:latin typeface="Arial Unicode MS"/>
+              </a:rPr>
+              <a:t>same_thread</a:t>
+            </a:r>
+            <a:r>
+              <a:rPr kumimoji="0" lang="fr-FR" altLang="fr-FR" sz="600" b="0" i="0" u="none" strike="noStrike" cap="none" normalizeH="0" baseline="0" dirty="0">
+                <a:ln>
+                  <a:noFill/>
+                </a:ln>
+                <a:solidFill>
+                  <a:schemeClr val="tx1"/>
+                </a:solidFill>
+                <a:effectLst/>
+              </a:rPr>
+              <a:t> </a:t>
+            </a:r>
+            <a:endParaRPr kumimoji="0" lang="fr-FR" altLang="fr-FR" sz="1800" b="0" i="0" u="none" strike="noStrike" cap="none" normalizeH="0" baseline="0" dirty="0">
+              <a:ln>
+                <a:noFill/>
+              </a:ln>
+              <a:solidFill>
+                <a:schemeClr val="tx1"/>
+              </a:solidFill>
+              <a:effectLst/>
+              <a:latin typeface="Arial" panose="020B0604020202020204" pitchFamily="34" charset="0"/>
+            </a:endParaRPr>
+          </a:p>
+        </p:txBody>
+      </p:sp>
+    </p:spTree>
+    <p:extLst>
+      <p:ext uri="{BB962C8B-B14F-4D97-AF65-F5344CB8AC3E}">
+        <p14:creationId xmlns:p14="http://schemas.microsoft.com/office/powerpoint/2010/main" val="1510599688"/>
+      </p:ext>
+    </p:extLst>
+  </p:cSld>
+  <p:clrMapOvr>
+    <a:masterClrMapping/>
+  </p:clrMapOvr>
+</p:sld>
+</file>
+
 <file path=ppt/theme/theme1.xml><?xml version="1.0" encoding="utf-8"?>
 <a:theme xmlns:a="http://schemas.openxmlformats.org/drawingml/2006/main" name="Thème Office">
   <a:themeElements>
